--- a/Day3/Presentation 3.pptx
+++ b/Day3/Presentation 3.pptx
@@ -211,7 +211,7 @@
           <a:p>
             <a:fld id="{A6FC0491-14BC-4BFD-A8D3-D9F3632029D7}" type="datetimeFigureOut">
               <a:rPr lang="en-US" smtClean="0"/>
-              <a:t>6/26/2016</a:t>
+              <a:t>6/29/2017</a:t>
             </a:fld>
             <a:endParaRPr lang="en-US"/>
           </a:p>
@@ -1272,7 +1272,7 @@
           <a:p>
             <a:fld id="{1D32FDD7-761F-4A6D-94FD-5BBB52464B38}" type="datetimeFigureOut">
               <a:rPr lang="en-US" smtClean="0"/>
-              <a:t>6/26/2016</a:t>
+              <a:t>6/29/2017</a:t>
             </a:fld>
             <a:endParaRPr lang="en-US"/>
           </a:p>
@@ -1440,7 +1440,7 @@
           <a:p>
             <a:fld id="{1D32FDD7-761F-4A6D-94FD-5BBB52464B38}" type="datetimeFigureOut">
               <a:rPr lang="en-US" smtClean="0"/>
-              <a:t>6/26/2016</a:t>
+              <a:t>6/29/2017</a:t>
             </a:fld>
             <a:endParaRPr lang="en-US"/>
           </a:p>
@@ -1618,7 +1618,7 @@
           <a:p>
             <a:fld id="{1D32FDD7-761F-4A6D-94FD-5BBB52464B38}" type="datetimeFigureOut">
               <a:rPr lang="en-US" smtClean="0"/>
-              <a:t>6/26/2016</a:t>
+              <a:t>6/29/2017</a:t>
             </a:fld>
             <a:endParaRPr lang="en-US"/>
           </a:p>
@@ -2236,7 +2236,7 @@
           <a:p>
             <a:fld id="{1D32FDD7-761F-4A6D-94FD-5BBB52464B38}" type="datetimeFigureOut">
               <a:rPr lang="en-US" smtClean="0"/>
-              <a:t>6/26/2016</a:t>
+              <a:t>6/29/2017</a:t>
             </a:fld>
             <a:endParaRPr lang="en-US"/>
           </a:p>
@@ -2481,7 +2481,7 @@
           <a:p>
             <a:fld id="{1D32FDD7-761F-4A6D-94FD-5BBB52464B38}" type="datetimeFigureOut">
               <a:rPr lang="en-US" smtClean="0"/>
-              <a:t>6/26/2016</a:t>
+              <a:t>6/29/2017</a:t>
             </a:fld>
             <a:endParaRPr lang="en-US"/>
           </a:p>
@@ -2710,7 +2710,7 @@
           <a:p>
             <a:fld id="{1D32FDD7-761F-4A6D-94FD-5BBB52464B38}" type="datetimeFigureOut">
               <a:rPr lang="en-US" smtClean="0"/>
-              <a:t>6/26/2016</a:t>
+              <a:t>6/29/2017</a:t>
             </a:fld>
             <a:endParaRPr lang="en-US"/>
           </a:p>
@@ -3074,7 +3074,7 @@
           <a:p>
             <a:fld id="{1D32FDD7-761F-4A6D-94FD-5BBB52464B38}" type="datetimeFigureOut">
               <a:rPr lang="en-US" smtClean="0"/>
-              <a:t>6/26/2016</a:t>
+              <a:t>6/29/2017</a:t>
             </a:fld>
             <a:endParaRPr lang="en-US"/>
           </a:p>
@@ -3191,7 +3191,7 @@
           <a:p>
             <a:fld id="{1D32FDD7-761F-4A6D-94FD-5BBB52464B38}" type="datetimeFigureOut">
               <a:rPr lang="en-US" smtClean="0"/>
-              <a:t>6/26/2016</a:t>
+              <a:t>6/29/2017</a:t>
             </a:fld>
             <a:endParaRPr lang="en-US"/>
           </a:p>
@@ -3286,7 +3286,7 @@
           <a:p>
             <a:fld id="{1D32FDD7-761F-4A6D-94FD-5BBB52464B38}" type="datetimeFigureOut">
               <a:rPr lang="en-US" smtClean="0"/>
-              <a:t>6/26/2016</a:t>
+              <a:t>6/29/2017</a:t>
             </a:fld>
             <a:endParaRPr lang="en-US"/>
           </a:p>
@@ -3561,7 +3561,7 @@
           <a:p>
             <a:fld id="{1D32FDD7-761F-4A6D-94FD-5BBB52464B38}" type="datetimeFigureOut">
               <a:rPr lang="en-US" smtClean="0"/>
-              <a:t>6/26/2016</a:t>
+              <a:t>6/29/2017</a:t>
             </a:fld>
             <a:endParaRPr lang="en-US"/>
           </a:p>
@@ -3813,7 +3813,7 @@
           <a:p>
             <a:fld id="{1D32FDD7-761F-4A6D-94FD-5BBB52464B38}" type="datetimeFigureOut">
               <a:rPr lang="en-US" smtClean="0"/>
-              <a:t>6/26/2016</a:t>
+              <a:t>6/29/2017</a:t>
             </a:fld>
             <a:endParaRPr lang="en-US"/>
           </a:p>
@@ -4024,7 +4024,7 @@
           <a:p>
             <a:fld id="{1D32FDD7-761F-4A6D-94FD-5BBB52464B38}" type="datetimeFigureOut">
               <a:rPr lang="en-US" smtClean="0"/>
-              <a:t>6/26/2016</a:t>
+              <a:t>6/29/2017</a:t>
             </a:fld>
             <a:endParaRPr lang="en-US"/>
           </a:p>
@@ -4457,6 +4457,10 @@
             <a:br>
               <a:rPr lang="en-US" dirty="0"/>
             </a:br>
+            <a:r>
+              <a:rPr lang="en-US" dirty="0"/>
+              <a:t/>
+            </a:r>
             <a:br>
               <a:rPr lang="en-US" dirty="0"/>
             </a:br>
@@ -4519,6 +4523,13 @@
   <p:clrMapOvr>
     <a:masterClrMapping/>
   </p:clrMapOvr>
+  <p:timing>
+    <p:tnLst>
+      <p:par>
+        <p:cTn id="1" dur="indefinite" restart="never" nodeType="tmRoot"/>
+      </p:par>
+    </p:tnLst>
+  </p:timing>
 </p:sld>
 </file>
 
@@ -4887,7 +4898,7 @@
         <p:spPr>
           <a:xfrm>
             <a:off x="2441825" y="2881014"/>
-            <a:ext cx="7164512" cy="2031325"/>
+            <a:ext cx="7164512" cy="2585323"/>
           </a:xfrm>
           <a:prstGeom prst="rect">
             <a:avLst/>
@@ -4913,8 +4924,44 @@
             </a:r>
             <a:r>
               <a:rPr lang="en-US" dirty="0"/>
-              <a:t>", function() {</a:t>
-            </a:r>
+              <a:t>", function() </a:t>
+            </a:r>
+            <a:r>
+              <a:rPr lang="en-US" dirty="0" smtClean="0"/>
+              <a:t>{</a:t>
+            </a:r>
+          </a:p>
+          <a:p>
+            <a:r>
+              <a:rPr lang="en-US" dirty="0"/>
+              <a:t>    </a:t>
+            </a:r>
+            <a:r>
+              <a:rPr lang="en-US" dirty="0" err="1"/>
+              <a:t>this.myServiceVariable</a:t>
+            </a:r>
+            <a:r>
+              <a:rPr lang="en-US" dirty="0"/>
+              <a:t> = “example</a:t>
+            </a:r>
+            <a:r>
+              <a:rPr lang="en-US" dirty="0" smtClean="0"/>
+              <a:t>”; </a:t>
+            </a:r>
+            <a:r>
+              <a:rPr lang="en-US" b="1" dirty="0" smtClean="0">
+                <a:solidFill>
+                  <a:srgbClr val="FF0000"/>
+                </a:solidFill>
+                <a:sym typeface="Wingdings" panose="05000000000000000000" pitchFamily="2" charset="2"/>
+              </a:rPr>
+              <a:t> Will not be visible when injected in a controller</a:t>
+            </a:r>
+            <a:endParaRPr lang="en-US" b="1" dirty="0">
+              <a:solidFill>
+                <a:srgbClr val="FF0000"/>
+              </a:solidFill>
+            </a:endParaRPr>
           </a:p>
           <a:p>
             <a:r>
@@ -5126,7 +5173,7 @@
         <p:spPr>
           <a:xfrm>
             <a:off x="3859659" y="1876184"/>
-            <a:ext cx="9280988" cy="3785652"/>
+            <a:ext cx="9280988" cy="4031873"/>
           </a:xfrm>
           <a:prstGeom prst="rect">
             <a:avLst/>
@@ -5152,78 +5199,102 @@
             </a:r>
             <a:r>
               <a:rPr lang="en-US" sz="1600" dirty="0"/>
-              <a:t>", function() {</a:t>
-            </a:r>
+              <a:t>", function() </a:t>
+            </a:r>
+            <a:r>
+              <a:rPr lang="en-US" sz="1600" dirty="0" smtClean="0"/>
+              <a:t>{</a:t>
+            </a:r>
+          </a:p>
+          <a:p>
+            <a:r>
+              <a:rPr lang="en-US" sz="1600" dirty="0" smtClean="0"/>
+              <a:t>      </a:t>
+            </a:r>
+            <a:r>
+              <a:rPr lang="en-US" sz="1600" dirty="0" err="1" smtClean="0"/>
+              <a:t>this.myServiceVariable</a:t>
+            </a:r>
+            <a:r>
+              <a:rPr lang="en-US" sz="1600" dirty="0" smtClean="0"/>
+              <a:t> = “example”;</a:t>
+            </a:r>
+            <a:endParaRPr lang="en-US" sz="1600" dirty="0"/>
           </a:p>
           <a:p>
             <a:r>
               <a:rPr lang="en-US" sz="1600" dirty="0"/>
-              <a:t>      return {</a:t>
-            </a:r>
-          </a:p>
-          <a:p>
-            <a:r>
-              <a:rPr lang="en-US" sz="1600" dirty="0"/>
+              <a:t>      </a:t>
+            </a:r>
+            <a:r>
+              <a:rPr lang="en-US" sz="1600" dirty="0" smtClean="0"/>
+              <a:t>return {</a:t>
+            </a:r>
+          </a:p>
+          <a:p>
+            <a:r>
+              <a:rPr lang="en-US" sz="1600" dirty="0" smtClean="0"/>
               <a:t>            </a:t>
             </a:r>
             <a:r>
-              <a:rPr lang="en-US" sz="1600" dirty="0" err="1"/>
+              <a:rPr lang="en-US" sz="1600" dirty="0" err="1" smtClean="0"/>
               <a:t>doFirst</a:t>
             </a:r>
             <a:r>
-              <a:rPr lang="en-US" sz="1600" dirty="0"/>
+              <a:rPr lang="en-US" sz="1600" dirty="0" smtClean="0"/>
               <a:t>: function () {</a:t>
             </a:r>
           </a:p>
           <a:p>
             <a:r>
-              <a:rPr lang="en-US" sz="1600" dirty="0"/>
+              <a:rPr lang="en-US" sz="1600" dirty="0" smtClean="0"/>
               <a:t>                console.log('first');</a:t>
             </a:r>
           </a:p>
           <a:p>
             <a:r>
-              <a:rPr lang="en-US" sz="1600" dirty="0"/>
+              <a:rPr lang="en-US" sz="1600" dirty="0" smtClean="0"/>
               <a:t>            },</a:t>
             </a:r>
           </a:p>
           <a:p>
             <a:r>
-              <a:rPr lang="en-US" sz="1600" dirty="0"/>
+              <a:rPr lang="en-US" sz="1600" dirty="0" smtClean="0"/>
               <a:t>            </a:t>
             </a:r>
             <a:r>
-              <a:rPr lang="en-US" sz="1600" dirty="0" err="1"/>
+              <a:rPr lang="en-US" sz="1600" dirty="0" err="1" smtClean="0"/>
               <a:t>doSecond</a:t>
             </a:r>
             <a:r>
-              <a:rPr lang="en-US" sz="1600" dirty="0"/>
+              <a:rPr lang="en-US" sz="1600" dirty="0" smtClean="0"/>
               <a:t>: function (text) {</a:t>
             </a:r>
           </a:p>
           <a:p>
             <a:r>
-              <a:rPr lang="en-US" sz="1600" dirty="0"/>
+              <a:rPr lang="en-US" sz="1600" dirty="0" smtClean="0"/>
               <a:t>                console.log('second: ' + text);</a:t>
             </a:r>
           </a:p>
           <a:p>
             <a:r>
-              <a:rPr lang="en-US" sz="1600" dirty="0"/>
+              <a:rPr lang="en-US" sz="1600" dirty="0" smtClean="0"/>
               <a:t>            }</a:t>
             </a:r>
           </a:p>
           <a:p>
             <a:r>
-              <a:rPr lang="en-US" sz="1600" dirty="0"/>
+              <a:rPr lang="en-US" sz="1600" dirty="0" smtClean="0"/>
               <a:t>        }</a:t>
             </a:r>
           </a:p>
           <a:p>
             <a:r>
-              <a:rPr lang="en-US" sz="1600" dirty="0"/>
+              <a:rPr lang="en-US" sz="1600" dirty="0" smtClean="0"/>
               <a:t>});</a:t>
             </a:r>
+            <a:endParaRPr lang="en-US" sz="1600" dirty="0"/>
           </a:p>
           <a:p>
             <a:endParaRPr lang="en-US" sz="1600" dirty="0"/>
@@ -5585,6 +5656,10 @@
               <a:rPr lang="en-US" sz="3100" dirty="0"/>
               <a:t>	- Services</a:t>
             </a:r>
+            <a:r>
+              <a:rPr lang="en-US" dirty="0"/>
+              <a:t/>
+            </a:r>
             <a:br>
               <a:rPr lang="en-US" dirty="0"/>
             </a:br>
@@ -5643,6 +5718,13 @@
   <p:clrMapOvr>
     <a:masterClrMapping/>
   </p:clrMapOvr>
+  <p:timing>
+    <p:tnLst>
+      <p:par>
+        <p:cTn id="1" dur="indefinite" restart="never" nodeType="tmRoot"/>
+      </p:par>
+    </p:tnLst>
+  </p:timing>
 </p:sld>
 </file>
 

--- a/Day3/Presentation 3.pptx
+++ b/Day3/Presentation 3.pptx
@@ -211,7 +211,7 @@
           <a:p>
             <a:fld id="{A6FC0491-14BC-4BFD-A8D3-D9F3632029D7}" type="datetimeFigureOut">
               <a:rPr lang="en-US" smtClean="0"/>
-              <a:t>6/29/2017</a:t>
+              <a:t>6/26/2016</a:t>
             </a:fld>
             <a:endParaRPr lang="en-US"/>
           </a:p>
@@ -1272,7 +1272,7 @@
           <a:p>
             <a:fld id="{1D32FDD7-761F-4A6D-94FD-5BBB52464B38}" type="datetimeFigureOut">
               <a:rPr lang="en-US" smtClean="0"/>
-              <a:t>6/29/2017</a:t>
+              <a:t>6/26/2016</a:t>
             </a:fld>
             <a:endParaRPr lang="en-US"/>
           </a:p>
@@ -1440,7 +1440,7 @@
           <a:p>
             <a:fld id="{1D32FDD7-761F-4A6D-94FD-5BBB52464B38}" type="datetimeFigureOut">
               <a:rPr lang="en-US" smtClean="0"/>
-              <a:t>6/29/2017</a:t>
+              <a:t>6/26/2016</a:t>
             </a:fld>
             <a:endParaRPr lang="en-US"/>
           </a:p>
@@ -1618,7 +1618,7 @@
           <a:p>
             <a:fld id="{1D32FDD7-761F-4A6D-94FD-5BBB52464B38}" type="datetimeFigureOut">
               <a:rPr lang="en-US" smtClean="0"/>
-              <a:t>6/29/2017</a:t>
+              <a:t>6/26/2016</a:t>
             </a:fld>
             <a:endParaRPr lang="en-US"/>
           </a:p>
@@ -2236,7 +2236,7 @@
           <a:p>
             <a:fld id="{1D32FDD7-761F-4A6D-94FD-5BBB52464B38}" type="datetimeFigureOut">
               <a:rPr lang="en-US" smtClean="0"/>
-              <a:t>6/29/2017</a:t>
+              <a:t>6/26/2016</a:t>
             </a:fld>
             <a:endParaRPr lang="en-US"/>
           </a:p>
@@ -2481,7 +2481,7 @@
           <a:p>
             <a:fld id="{1D32FDD7-761F-4A6D-94FD-5BBB52464B38}" type="datetimeFigureOut">
               <a:rPr lang="en-US" smtClean="0"/>
-              <a:t>6/29/2017</a:t>
+              <a:t>6/26/2016</a:t>
             </a:fld>
             <a:endParaRPr lang="en-US"/>
           </a:p>
@@ -2710,7 +2710,7 @@
           <a:p>
             <a:fld id="{1D32FDD7-761F-4A6D-94FD-5BBB52464B38}" type="datetimeFigureOut">
               <a:rPr lang="en-US" smtClean="0"/>
-              <a:t>6/29/2017</a:t>
+              <a:t>6/26/2016</a:t>
             </a:fld>
             <a:endParaRPr lang="en-US"/>
           </a:p>
@@ -3074,7 +3074,7 @@
           <a:p>
             <a:fld id="{1D32FDD7-761F-4A6D-94FD-5BBB52464B38}" type="datetimeFigureOut">
               <a:rPr lang="en-US" smtClean="0"/>
-              <a:t>6/29/2017</a:t>
+              <a:t>6/26/2016</a:t>
             </a:fld>
             <a:endParaRPr lang="en-US"/>
           </a:p>
@@ -3191,7 +3191,7 @@
           <a:p>
             <a:fld id="{1D32FDD7-761F-4A6D-94FD-5BBB52464B38}" type="datetimeFigureOut">
               <a:rPr lang="en-US" smtClean="0"/>
-              <a:t>6/29/2017</a:t>
+              <a:t>6/26/2016</a:t>
             </a:fld>
             <a:endParaRPr lang="en-US"/>
           </a:p>
@@ -3286,7 +3286,7 @@
           <a:p>
             <a:fld id="{1D32FDD7-761F-4A6D-94FD-5BBB52464B38}" type="datetimeFigureOut">
               <a:rPr lang="en-US" smtClean="0"/>
-              <a:t>6/29/2017</a:t>
+              <a:t>6/26/2016</a:t>
             </a:fld>
             <a:endParaRPr lang="en-US"/>
           </a:p>
@@ -3561,7 +3561,7 @@
           <a:p>
             <a:fld id="{1D32FDD7-761F-4A6D-94FD-5BBB52464B38}" type="datetimeFigureOut">
               <a:rPr lang="en-US" smtClean="0"/>
-              <a:t>6/29/2017</a:t>
+              <a:t>6/26/2016</a:t>
             </a:fld>
             <a:endParaRPr lang="en-US"/>
           </a:p>
@@ -3813,7 +3813,7 @@
           <a:p>
             <a:fld id="{1D32FDD7-761F-4A6D-94FD-5BBB52464B38}" type="datetimeFigureOut">
               <a:rPr lang="en-US" smtClean="0"/>
-              <a:t>6/29/2017</a:t>
+              <a:t>6/26/2016</a:t>
             </a:fld>
             <a:endParaRPr lang="en-US"/>
           </a:p>
@@ -4024,7 +4024,7 @@
           <a:p>
             <a:fld id="{1D32FDD7-761F-4A6D-94FD-5BBB52464B38}" type="datetimeFigureOut">
               <a:rPr lang="en-US" smtClean="0"/>
-              <a:t>6/29/2017</a:t>
+              <a:t>6/26/2016</a:t>
             </a:fld>
             <a:endParaRPr lang="en-US"/>
           </a:p>
@@ -4457,10 +4457,6 @@
             <a:br>
               <a:rPr lang="en-US" dirty="0"/>
             </a:br>
-            <a:r>
-              <a:rPr lang="en-US" dirty="0"/>
-              <a:t/>
-            </a:r>
             <a:br>
               <a:rPr lang="en-US" dirty="0"/>
             </a:br>
@@ -4523,13 +4519,6 @@
   <p:clrMapOvr>
     <a:masterClrMapping/>
   </p:clrMapOvr>
-  <p:timing>
-    <p:tnLst>
-      <p:par>
-        <p:cTn id="1" dur="indefinite" restart="never" nodeType="tmRoot"/>
-      </p:par>
-    </p:tnLst>
-  </p:timing>
 </p:sld>
 </file>
 
@@ -4898,7 +4887,7 @@
         <p:spPr>
           <a:xfrm>
             <a:off x="2441825" y="2881014"/>
-            <a:ext cx="7164512" cy="2585323"/>
+            <a:ext cx="7164512" cy="2031325"/>
           </a:xfrm>
           <a:prstGeom prst="rect">
             <a:avLst/>
@@ -4924,44 +4913,8 @@
             </a:r>
             <a:r>
               <a:rPr lang="en-US" dirty="0"/>
-              <a:t>", function() </a:t>
-            </a:r>
-            <a:r>
-              <a:rPr lang="en-US" dirty="0" smtClean="0"/>
-              <a:t>{</a:t>
-            </a:r>
-          </a:p>
-          <a:p>
-            <a:r>
-              <a:rPr lang="en-US" dirty="0"/>
-              <a:t>    </a:t>
-            </a:r>
-            <a:r>
-              <a:rPr lang="en-US" dirty="0" err="1"/>
-              <a:t>this.myServiceVariable</a:t>
-            </a:r>
-            <a:r>
-              <a:rPr lang="en-US" dirty="0"/>
-              <a:t> = “example</a:t>
-            </a:r>
-            <a:r>
-              <a:rPr lang="en-US" dirty="0" smtClean="0"/>
-              <a:t>”; </a:t>
-            </a:r>
-            <a:r>
-              <a:rPr lang="en-US" b="1" dirty="0" smtClean="0">
-                <a:solidFill>
-                  <a:srgbClr val="FF0000"/>
-                </a:solidFill>
-                <a:sym typeface="Wingdings" panose="05000000000000000000" pitchFamily="2" charset="2"/>
-              </a:rPr>
-              <a:t> Will not be visible when injected in a controller</a:t>
-            </a:r>
-            <a:endParaRPr lang="en-US" b="1" dirty="0">
-              <a:solidFill>
-                <a:srgbClr val="FF0000"/>
-              </a:solidFill>
-            </a:endParaRPr>
+              <a:t>", function() {</a:t>
+            </a:r>
           </a:p>
           <a:p>
             <a:r>
@@ -5173,7 +5126,7 @@
         <p:spPr>
           <a:xfrm>
             <a:off x="3859659" y="1876184"/>
-            <a:ext cx="9280988" cy="4031873"/>
+            <a:ext cx="9280988" cy="3785652"/>
           </a:xfrm>
           <a:prstGeom prst="rect">
             <a:avLst/>
@@ -5199,102 +5152,78 @@
             </a:r>
             <a:r>
               <a:rPr lang="en-US" sz="1600" dirty="0"/>
-              <a:t>", function() </a:t>
-            </a:r>
-            <a:r>
-              <a:rPr lang="en-US" sz="1600" dirty="0" smtClean="0"/>
-              <a:t>{</a:t>
-            </a:r>
-          </a:p>
-          <a:p>
-            <a:r>
-              <a:rPr lang="en-US" sz="1600" dirty="0" smtClean="0"/>
-              <a:t>      </a:t>
-            </a:r>
-            <a:r>
-              <a:rPr lang="en-US" sz="1600" dirty="0" err="1" smtClean="0"/>
-              <a:t>this.myServiceVariable</a:t>
-            </a:r>
-            <a:r>
-              <a:rPr lang="en-US" sz="1600" dirty="0" smtClean="0"/>
-              <a:t> = “example”;</a:t>
-            </a:r>
-            <a:endParaRPr lang="en-US" sz="1600" dirty="0"/>
+              <a:t>", function() {</a:t>
+            </a:r>
           </a:p>
           <a:p>
             <a:r>
               <a:rPr lang="en-US" sz="1600" dirty="0"/>
-              <a:t>      </a:t>
-            </a:r>
-            <a:r>
-              <a:rPr lang="en-US" sz="1600" dirty="0" smtClean="0"/>
-              <a:t>return {</a:t>
-            </a:r>
-          </a:p>
-          <a:p>
-            <a:r>
-              <a:rPr lang="en-US" sz="1600" dirty="0" smtClean="0"/>
+              <a:t>      return {</a:t>
+            </a:r>
+          </a:p>
+          <a:p>
+            <a:r>
+              <a:rPr lang="en-US" sz="1600" dirty="0"/>
               <a:t>            </a:t>
             </a:r>
             <a:r>
-              <a:rPr lang="en-US" sz="1600" dirty="0" err="1" smtClean="0"/>
+              <a:rPr lang="en-US" sz="1600" dirty="0" err="1"/>
               <a:t>doFirst</a:t>
             </a:r>
             <a:r>
-              <a:rPr lang="en-US" sz="1600" dirty="0" smtClean="0"/>
+              <a:rPr lang="en-US" sz="1600" dirty="0"/>
               <a:t>: function () {</a:t>
             </a:r>
           </a:p>
           <a:p>
             <a:r>
-              <a:rPr lang="en-US" sz="1600" dirty="0" smtClean="0"/>
+              <a:rPr lang="en-US" sz="1600" dirty="0"/>
               <a:t>                console.log('first');</a:t>
             </a:r>
           </a:p>
           <a:p>
             <a:r>
-              <a:rPr lang="en-US" sz="1600" dirty="0" smtClean="0"/>
+              <a:rPr lang="en-US" sz="1600" dirty="0"/>
               <a:t>            },</a:t>
             </a:r>
           </a:p>
           <a:p>
             <a:r>
-              <a:rPr lang="en-US" sz="1600" dirty="0" smtClean="0"/>
+              <a:rPr lang="en-US" sz="1600" dirty="0"/>
               <a:t>            </a:t>
             </a:r>
             <a:r>
-              <a:rPr lang="en-US" sz="1600" dirty="0" err="1" smtClean="0"/>
+              <a:rPr lang="en-US" sz="1600" dirty="0" err="1"/>
               <a:t>doSecond</a:t>
             </a:r>
             <a:r>
-              <a:rPr lang="en-US" sz="1600" dirty="0" smtClean="0"/>
+              <a:rPr lang="en-US" sz="1600" dirty="0"/>
               <a:t>: function (text) {</a:t>
             </a:r>
           </a:p>
           <a:p>
             <a:r>
-              <a:rPr lang="en-US" sz="1600" dirty="0" smtClean="0"/>
+              <a:rPr lang="en-US" sz="1600" dirty="0"/>
               <a:t>                console.log('second: ' + text);</a:t>
             </a:r>
           </a:p>
           <a:p>
             <a:r>
-              <a:rPr lang="en-US" sz="1600" dirty="0" smtClean="0"/>
+              <a:rPr lang="en-US" sz="1600" dirty="0"/>
               <a:t>            }</a:t>
             </a:r>
           </a:p>
           <a:p>
             <a:r>
-              <a:rPr lang="en-US" sz="1600" dirty="0" smtClean="0"/>
+              <a:rPr lang="en-US" sz="1600" dirty="0"/>
               <a:t>        }</a:t>
             </a:r>
           </a:p>
           <a:p>
             <a:r>
-              <a:rPr lang="en-US" sz="1600" dirty="0" smtClean="0"/>
+              <a:rPr lang="en-US" sz="1600" dirty="0"/>
               <a:t>});</a:t>
             </a:r>
-            <a:endParaRPr lang="en-US" sz="1600" dirty="0"/>
           </a:p>
           <a:p>
             <a:endParaRPr lang="en-US" sz="1600" dirty="0"/>
@@ -5656,10 +5585,6 @@
               <a:rPr lang="en-US" sz="3100" dirty="0"/>
               <a:t>	- Services</a:t>
             </a:r>
-            <a:r>
-              <a:rPr lang="en-US" dirty="0"/>
-              <a:t/>
-            </a:r>
             <a:br>
               <a:rPr lang="en-US" dirty="0"/>
             </a:br>
@@ -5718,13 +5643,6 @@
   <p:clrMapOvr>
     <a:masterClrMapping/>
   </p:clrMapOvr>
-  <p:timing>
-    <p:tnLst>
-      <p:par>
-        <p:cTn id="1" dur="indefinite" restart="never" nodeType="tmRoot"/>
-      </p:par>
-    </p:tnLst>
-  </p:timing>
 </p:sld>
 </file>
 
